--- a/Presentation1index.html.pptx
+++ b/Presentation1index.html.pptx
@@ -205,7 +205,7 @@
             <a:fld id="{D1F28077-1BBA-4D41-8AC1-2AFC0EC77F08}" type="datetimeFigureOut">
               <a:rPr lang="en-US" smtClean="0"/>
               <a:pPr/>
-              <a:t>12/19/2021</a:t>
+              <a:t>12/20/2021</a:t>
             </a:fld>
             <a:endParaRPr lang="en-US"/>
           </a:p>
@@ -735,7 +735,7 @@
             <a:fld id="{0F1C464F-0CC2-4E76-8482-8B4F0CAD93DE}" type="datetimeFigureOut">
               <a:rPr lang="en-US" smtClean="0"/>
               <a:pPr/>
-              <a:t>12/19/2021</a:t>
+              <a:t>12/20/2021</a:t>
             </a:fld>
             <a:endParaRPr lang="en-US"/>
           </a:p>
@@ -902,7 +902,7 @@
             <a:fld id="{0F1C464F-0CC2-4E76-8482-8B4F0CAD93DE}" type="datetimeFigureOut">
               <a:rPr lang="en-US" smtClean="0"/>
               <a:pPr/>
-              <a:t>12/19/2021</a:t>
+              <a:t>12/20/2021</a:t>
             </a:fld>
             <a:endParaRPr lang="en-US"/>
           </a:p>
@@ -1079,7 +1079,7 @@
             <a:fld id="{0F1C464F-0CC2-4E76-8482-8B4F0CAD93DE}" type="datetimeFigureOut">
               <a:rPr lang="en-US" smtClean="0"/>
               <a:pPr/>
-              <a:t>12/19/2021</a:t>
+              <a:t>12/20/2021</a:t>
             </a:fld>
             <a:endParaRPr lang="en-US"/>
           </a:p>
@@ -1246,7 +1246,7 @@
             <a:fld id="{0F1C464F-0CC2-4E76-8482-8B4F0CAD93DE}" type="datetimeFigureOut">
               <a:rPr lang="en-US" smtClean="0"/>
               <a:pPr/>
-              <a:t>12/19/2021</a:t>
+              <a:t>12/20/2021</a:t>
             </a:fld>
             <a:endParaRPr lang="en-US"/>
           </a:p>
@@ -1489,7 +1489,7 @@
             <a:fld id="{0F1C464F-0CC2-4E76-8482-8B4F0CAD93DE}" type="datetimeFigureOut">
               <a:rPr lang="en-US" smtClean="0"/>
               <a:pPr/>
-              <a:t>12/19/2021</a:t>
+              <a:t>12/20/2021</a:t>
             </a:fld>
             <a:endParaRPr lang="en-US"/>
           </a:p>
@@ -1774,7 +1774,7 @@
             <a:fld id="{0F1C464F-0CC2-4E76-8482-8B4F0CAD93DE}" type="datetimeFigureOut">
               <a:rPr lang="en-US" smtClean="0"/>
               <a:pPr/>
-              <a:t>12/19/2021</a:t>
+              <a:t>12/20/2021</a:t>
             </a:fld>
             <a:endParaRPr lang="en-US"/>
           </a:p>
@@ -2193,7 +2193,7 @@
             <a:fld id="{0F1C464F-0CC2-4E76-8482-8B4F0CAD93DE}" type="datetimeFigureOut">
               <a:rPr lang="en-US" smtClean="0"/>
               <a:pPr/>
-              <a:t>12/19/2021</a:t>
+              <a:t>12/20/2021</a:t>
             </a:fld>
             <a:endParaRPr lang="en-US"/>
           </a:p>
@@ -2308,7 +2308,7 @@
             <a:fld id="{0F1C464F-0CC2-4E76-8482-8B4F0CAD93DE}" type="datetimeFigureOut">
               <a:rPr lang="en-US" smtClean="0"/>
               <a:pPr/>
-              <a:t>12/19/2021</a:t>
+              <a:t>12/20/2021</a:t>
             </a:fld>
             <a:endParaRPr lang="en-US"/>
           </a:p>
@@ -2400,7 +2400,7 @@
             <a:fld id="{0F1C464F-0CC2-4E76-8482-8B4F0CAD93DE}" type="datetimeFigureOut">
               <a:rPr lang="en-US" smtClean="0"/>
               <a:pPr/>
-              <a:t>12/19/2021</a:t>
+              <a:t>12/20/2021</a:t>
             </a:fld>
             <a:endParaRPr lang="en-US"/>
           </a:p>
@@ -2674,7 +2674,7 @@
             <a:fld id="{0F1C464F-0CC2-4E76-8482-8B4F0CAD93DE}" type="datetimeFigureOut">
               <a:rPr lang="en-US" smtClean="0"/>
               <a:pPr/>
-              <a:t>12/19/2021</a:t>
+              <a:t>12/20/2021</a:t>
             </a:fld>
             <a:endParaRPr lang="en-US"/>
           </a:p>
@@ -2924,7 +2924,7 @@
             <a:fld id="{0F1C464F-0CC2-4E76-8482-8B4F0CAD93DE}" type="datetimeFigureOut">
               <a:rPr lang="en-US" smtClean="0"/>
               <a:pPr/>
-              <a:t>12/19/2021</a:t>
+              <a:t>12/20/2021</a:t>
             </a:fld>
             <a:endParaRPr lang="en-US"/>
           </a:p>
@@ -3134,7 +3134,7 @@
             <a:fld id="{0F1C464F-0CC2-4E76-8482-8B4F0CAD93DE}" type="datetimeFigureOut">
               <a:rPr lang="en-US" smtClean="0"/>
               <a:pPr/>
-              <a:t>12/19/2021</a:t>
+              <a:t>12/20/2021</a:t>
             </a:fld>
             <a:endParaRPr lang="en-US"/>
           </a:p>
@@ -3599,13 +3599,7 @@
               <a:rPr lang="en-US" sz="7200" b="1" smtClean="0">
                 <a:latin typeface="Bernard MT Condensed" pitchFamily="18" charset="0"/>
               </a:rPr>
-              <a:t>GROUP </a:t>
-            </a:r>
-            <a:r>
-              <a:rPr lang="en-US" sz="7200" b="1" smtClean="0">
-                <a:latin typeface="Bernard MT Condensed" pitchFamily="18" charset="0"/>
-              </a:rPr>
-              <a:t>(5) </a:t>
+              <a:t>GROUP (5) </a:t>
             </a:r>
             <a:r>
               <a:rPr lang="en-US" sz="7200" b="1" dirty="0" smtClean="0">
@@ -4507,7 +4501,9 @@
         </p:nvSpPr>
         <p:spPr/>
         <p:txBody>
-          <a:bodyPr/>
+          <a:bodyPr>
+            <a:normAutofit fontScale="92500" lnSpcReduction="10000"/>
+          </a:bodyPr>
           <a:lstStyle/>
           <a:p>
             <a:r>
@@ -4530,8 +4526,19 @@
           <a:p>
             <a:r>
               <a:rPr lang="en-US" dirty="0" smtClean="0"/>
-              <a:t>MARIAMA M. KAMARA the created the website</a:t>
-            </a:r>
+              <a:t>MARIAMA M. KAMARA the created the </a:t>
+            </a:r>
+            <a:r>
+              <a:rPr lang="en-US" dirty="0" smtClean="0"/>
+              <a:t>website</a:t>
+            </a:r>
+          </a:p>
+          <a:p>
+            <a:r>
+              <a:rPr lang="en-US" dirty="0" smtClean="0"/>
+              <a:t>The website have a Home Page, About Page, Services Page, and ContactUs Page</a:t>
+            </a:r>
+            <a:endParaRPr lang="en-US" dirty="0" smtClean="0"/>
           </a:p>
           <a:p>
             <a:endParaRPr lang="en-US" dirty="0"/>
